--- a/diagrams/projectPlanning/buffers/schedule.pptx
+++ b/diagrams/projectPlanning/buffers/schedule.pptx
@@ -104,6 +104,22 @@
       </a:defRPr>
     </a:lvl9pPr>
   </p:defaultTextStyle>
+  <p:extLst>
+    <p:ext uri="{EFAFB233-063F-42B5-8137-9DF3F51BA10A}">
+      <p15:sldGuideLst xmlns:p15="http://schemas.microsoft.com/office/powerpoint/2012/main">
+        <p15:guide id="1" orient="horz" pos="2160">
+          <p15:clr>
+            <a:srgbClr val="A4A3A4"/>
+          </p15:clr>
+        </p15:guide>
+        <p15:guide id="2" pos="2880">
+          <p15:clr>
+            <a:srgbClr val="A4A3A4"/>
+          </p15:clr>
+        </p15:guide>
+      </p15:sldGuideLst>
+    </p:ext>
+  </p:extLst>
 </p:presentation>
 </file>
 
@@ -288,7 +304,7 @@
           <a:p>
             <a:fld id="{0377145B-382B-48AF-B621-48A87FA56646}" type="datetimeFigureOut">
               <a:rPr lang="en-SG" smtClean="0"/>
-              <a:t>11/7/2017</a:t>
+              <a:t>15/2/2018</a:t>
             </a:fld>
             <a:endParaRPr lang="en-SG"/>
           </a:p>
@@ -458,7 +474,7 @@
           <a:p>
             <a:fld id="{0377145B-382B-48AF-B621-48A87FA56646}" type="datetimeFigureOut">
               <a:rPr lang="en-SG" smtClean="0"/>
-              <a:t>11/7/2017</a:t>
+              <a:t>15/2/2018</a:t>
             </a:fld>
             <a:endParaRPr lang="en-SG"/>
           </a:p>
@@ -638,7 +654,7 @@
           <a:p>
             <a:fld id="{0377145B-382B-48AF-B621-48A87FA56646}" type="datetimeFigureOut">
               <a:rPr lang="en-SG" smtClean="0"/>
-              <a:t>11/7/2017</a:t>
+              <a:t>15/2/2018</a:t>
             </a:fld>
             <a:endParaRPr lang="en-SG"/>
           </a:p>
@@ -808,7 +824,7 @@
           <a:p>
             <a:fld id="{0377145B-382B-48AF-B621-48A87FA56646}" type="datetimeFigureOut">
               <a:rPr lang="en-SG" smtClean="0"/>
-              <a:t>11/7/2017</a:t>
+              <a:t>15/2/2018</a:t>
             </a:fld>
             <a:endParaRPr lang="en-SG"/>
           </a:p>
@@ -1054,7 +1070,7 @@
           <a:p>
             <a:fld id="{0377145B-382B-48AF-B621-48A87FA56646}" type="datetimeFigureOut">
               <a:rPr lang="en-SG" smtClean="0"/>
-              <a:t>11/7/2017</a:t>
+              <a:t>15/2/2018</a:t>
             </a:fld>
             <a:endParaRPr lang="en-SG"/>
           </a:p>
@@ -1342,7 +1358,7 @@
           <a:p>
             <a:fld id="{0377145B-382B-48AF-B621-48A87FA56646}" type="datetimeFigureOut">
               <a:rPr lang="en-SG" smtClean="0"/>
-              <a:t>11/7/2017</a:t>
+              <a:t>15/2/2018</a:t>
             </a:fld>
             <a:endParaRPr lang="en-SG"/>
           </a:p>
@@ -1764,7 +1780,7 @@
           <a:p>
             <a:fld id="{0377145B-382B-48AF-B621-48A87FA56646}" type="datetimeFigureOut">
               <a:rPr lang="en-SG" smtClean="0"/>
-              <a:t>11/7/2017</a:t>
+              <a:t>15/2/2018</a:t>
             </a:fld>
             <a:endParaRPr lang="en-SG"/>
           </a:p>
@@ -1882,7 +1898,7 @@
           <a:p>
             <a:fld id="{0377145B-382B-48AF-B621-48A87FA56646}" type="datetimeFigureOut">
               <a:rPr lang="en-SG" smtClean="0"/>
-              <a:t>11/7/2017</a:t>
+              <a:t>15/2/2018</a:t>
             </a:fld>
             <a:endParaRPr lang="en-SG"/>
           </a:p>
@@ -1977,7 +1993,7 @@
           <a:p>
             <a:fld id="{0377145B-382B-48AF-B621-48A87FA56646}" type="datetimeFigureOut">
               <a:rPr lang="en-SG" smtClean="0"/>
-              <a:t>11/7/2017</a:t>
+              <a:t>15/2/2018</a:t>
             </a:fld>
             <a:endParaRPr lang="en-SG"/>
           </a:p>
@@ -2254,7 +2270,7 @@
           <a:p>
             <a:fld id="{0377145B-382B-48AF-B621-48A87FA56646}" type="datetimeFigureOut">
               <a:rPr lang="en-SG" smtClean="0"/>
-              <a:t>11/7/2017</a:t>
+              <a:t>15/2/2018</a:t>
             </a:fld>
             <a:endParaRPr lang="en-SG"/>
           </a:p>
@@ -2507,7 +2523,7 @@
           <a:p>
             <a:fld id="{0377145B-382B-48AF-B621-48A87FA56646}" type="datetimeFigureOut">
               <a:rPr lang="en-SG" smtClean="0"/>
-              <a:t>11/7/2017</a:t>
+              <a:t>15/2/2018</a:t>
             </a:fld>
             <a:endParaRPr lang="en-SG"/>
           </a:p>
@@ -2720,7 +2736,7 @@
           <a:p>
             <a:fld id="{0377145B-382B-48AF-B621-48A87FA56646}" type="datetimeFigureOut">
               <a:rPr lang="en-SG" smtClean="0"/>
-              <a:t>11/7/2017</a:t>
+              <a:t>15/2/2018</a:t>
             </a:fld>
             <a:endParaRPr lang="en-SG"/>
           </a:p>
@@ -3109,6 +3125,39 @@
           <a:prstGeom prst="rect">
             <a:avLst/>
           </a:prstGeom>
+          <a:gradFill flip="none" rotWithShape="1">
+            <a:gsLst>
+              <a:gs pos="0">
+                <a:schemeClr val="accent4">
+                  <a:tint val="50000"/>
+                  <a:satMod val="300000"/>
+                </a:schemeClr>
+              </a:gs>
+              <a:gs pos="35000">
+                <a:schemeClr val="accent4">
+                  <a:tint val="37000"/>
+                  <a:satMod val="300000"/>
+                </a:schemeClr>
+              </a:gs>
+              <a:gs pos="100000">
+                <a:schemeClr val="accent4">
+                  <a:tint val="15000"/>
+                  <a:satMod val="350000"/>
+                </a:schemeClr>
+              </a:gs>
+            </a:gsLst>
+            <a:lin ang="16200000" scaled="1"/>
+            <a:tileRect/>
+          </a:gradFill>
+          <a:ln w="9525" cap="flat" cmpd="sng" algn="ctr">
+            <a:solidFill>
+              <a:srgbClr val="7D60A0"/>
+            </a:solidFill>
+            <a:prstDash val="solid"/>
+            <a:round/>
+            <a:headEnd type="none" w="med" len="med"/>
+            <a:tailEnd type="none" w="med" len="med"/>
+          </a:ln>
         </p:spPr>
         <p:style>
           <a:lnRef idx="1">
@@ -3130,10 +3179,20 @@
           <a:p>
             <a:pPr algn="ctr"/>
             <a:r>
-              <a:rPr lang="en-US" sz="2400" dirty="0" smtClean="0"/>
+              <a:rPr lang="en-US" sz="2400" dirty="0" smtClean="0">
+                <a:solidFill>
+                  <a:srgbClr val="000000"/>
+                </a:solidFill>
+                <a:latin typeface="Calibri" panose="020F0502020204030204" pitchFamily="34" charset="0"/>
+              </a:rPr>
               <a:t>Task X</a:t>
             </a:r>
-            <a:endParaRPr lang="en-US" sz="2400" dirty="0"/>
+            <a:endParaRPr lang="en-US" sz="2400" dirty="0">
+              <a:solidFill>
+                <a:srgbClr val="000000"/>
+              </a:solidFill>
+              <a:latin typeface="Calibri" panose="020F0502020204030204" pitchFamily="34" charset="0"/>
+            </a:endParaRPr>
           </a:p>
         </p:txBody>
       </p:sp>
@@ -3145,7 +3204,7 @@
         </p:nvSpPr>
         <p:spPr>
           <a:xfrm>
-            <a:off x="6780017" y="3041986"/>
+            <a:off x="6771308" y="3041986"/>
             <a:ext cx="2215924" cy="381000"/>
           </a:xfrm>
           <a:prstGeom prst="rect">
@@ -3179,15 +3238,210 @@
           </a:p>
         </p:txBody>
       </p:sp>
-      <p:sp>
-        <p:nvSpPr>
-          <p:cNvPr id="6" name="Rectangle 5"/>
+      <p:grpSp>
+        <p:nvGrpSpPr>
+          <p:cNvPr id="14" name="Group 13"/>
+          <p:cNvGrpSpPr/>
+          <p:nvPr/>
+        </p:nvGrpSpPr>
+        <p:grpSpPr>
+          <a:xfrm>
+            <a:off x="4723297" y="4128120"/>
+            <a:ext cx="4260382" cy="381000"/>
+            <a:chOff x="4723297" y="4128120"/>
+            <a:chExt cx="4286932" cy="381000"/>
+          </a:xfrm>
+        </p:grpSpPr>
+        <p:sp>
+          <p:nvSpPr>
+            <p:cNvPr id="8" name="Rectangle 7"/>
+            <p:cNvSpPr/>
+            <p:nvPr/>
+          </p:nvSpPr>
+          <p:spPr>
+            <a:xfrm>
+              <a:off x="6029583" y="4128120"/>
+              <a:ext cx="620295" cy="381000"/>
+            </a:xfrm>
+            <a:prstGeom prst="rect">
+              <a:avLst/>
+            </a:prstGeom>
+            <a:solidFill>
+              <a:schemeClr val="bg1"/>
+            </a:solidFill>
+            <a:ln>
+              <a:prstDash val="dash"/>
+            </a:ln>
+          </p:spPr>
+          <p:style>
+            <a:lnRef idx="1">
+              <a:schemeClr val="accent3"/>
+            </a:lnRef>
+            <a:fillRef idx="2">
+              <a:schemeClr val="accent3"/>
+            </a:fillRef>
+            <a:effectRef idx="1">
+              <a:schemeClr val="accent3"/>
+            </a:effectRef>
+            <a:fontRef idx="minor">
+              <a:schemeClr val="dk1"/>
+            </a:fontRef>
+          </p:style>
+          <p:txBody>
+            <a:bodyPr lIns="0" tIns="0" rIns="0" bIns="0" rtlCol="0" anchor="ctr"/>
+            <a:lstStyle/>
+            <a:p>
+              <a:pPr algn="ctr"/>
+              <a:r>
+                <a:rPr lang="en-US" dirty="0" smtClean="0"/>
+                <a:t>Buffer</a:t>
+              </a:r>
+              <a:endParaRPr lang="en-US" dirty="0"/>
+            </a:p>
+          </p:txBody>
+        </p:sp>
+        <p:sp>
+          <p:nvSpPr>
+            <p:cNvPr id="9" name="Rectangle 8"/>
+            <p:cNvSpPr/>
+            <p:nvPr/>
+          </p:nvSpPr>
+          <p:spPr>
+            <a:xfrm>
+              <a:off x="7872193" y="4128120"/>
+              <a:ext cx="1138036" cy="381000"/>
+            </a:xfrm>
+            <a:prstGeom prst="rect">
+              <a:avLst/>
+            </a:prstGeom>
+            <a:solidFill>
+              <a:schemeClr val="bg1"/>
+            </a:solidFill>
+            <a:ln>
+              <a:prstDash val="dash"/>
+            </a:ln>
+          </p:spPr>
+          <p:style>
+            <a:lnRef idx="1">
+              <a:schemeClr val="accent3"/>
+            </a:lnRef>
+            <a:fillRef idx="2">
+              <a:schemeClr val="accent3"/>
+            </a:fillRef>
+            <a:effectRef idx="1">
+              <a:schemeClr val="accent3"/>
+            </a:effectRef>
+            <a:fontRef idx="minor">
+              <a:schemeClr val="dk1"/>
+            </a:fontRef>
+          </p:style>
+          <p:txBody>
+            <a:bodyPr rtlCol="0" anchor="ctr"/>
+            <a:lstStyle/>
+            <a:p>
+              <a:pPr algn="ctr"/>
+              <a:r>
+                <a:rPr lang="en-US" sz="1800" dirty="0" smtClean="0"/>
+                <a:t>Buffer</a:t>
+              </a:r>
+              <a:endParaRPr lang="en-US" sz="2400" dirty="0"/>
+            </a:p>
+          </p:txBody>
+        </p:sp>
+        <p:sp>
+          <p:nvSpPr>
+            <p:cNvPr id="7" name="Rectangle 6"/>
+            <p:cNvSpPr/>
+            <p:nvPr/>
+          </p:nvSpPr>
+          <p:spPr>
+            <a:xfrm>
+              <a:off x="6658389" y="4128120"/>
+              <a:ext cx="1219200" cy="381000"/>
+            </a:xfrm>
+            <a:prstGeom prst="rect">
+              <a:avLst/>
+            </a:prstGeom>
+          </p:spPr>
+          <p:style>
+            <a:lnRef idx="1">
+              <a:schemeClr val="accent6"/>
+            </a:lnRef>
+            <a:fillRef idx="2">
+              <a:schemeClr val="accent6"/>
+            </a:fillRef>
+            <a:effectRef idx="1">
+              <a:schemeClr val="accent6"/>
+            </a:effectRef>
+            <a:fontRef idx="minor">
+              <a:schemeClr val="dk1"/>
+            </a:fontRef>
+          </p:style>
+          <p:txBody>
+            <a:bodyPr rtlCol="0" anchor="ctr"/>
+            <a:lstStyle/>
+            <a:p>
+              <a:pPr algn="ctr"/>
+              <a:r>
+                <a:rPr lang="en-US" sz="2400" dirty="0" smtClean="0"/>
+                <a:t>Task Y</a:t>
+              </a:r>
+              <a:endParaRPr lang="en-US" sz="2400" dirty="0"/>
+            </a:p>
+          </p:txBody>
+        </p:sp>
+        <p:sp>
+          <p:nvSpPr>
+            <p:cNvPr id="6" name="Rectangle 5"/>
+            <p:cNvSpPr/>
+            <p:nvPr/>
+          </p:nvSpPr>
+          <p:spPr>
+            <a:xfrm>
+              <a:off x="4723297" y="4128120"/>
+              <a:ext cx="1306288" cy="381000"/>
+            </a:xfrm>
+            <a:prstGeom prst="rect">
+              <a:avLst/>
+            </a:prstGeom>
+          </p:spPr>
+          <p:style>
+            <a:lnRef idx="1">
+              <a:schemeClr val="accent4"/>
+            </a:lnRef>
+            <a:fillRef idx="2">
+              <a:schemeClr val="accent4"/>
+            </a:fillRef>
+            <a:effectRef idx="1">
+              <a:schemeClr val="accent4"/>
+            </a:effectRef>
+            <a:fontRef idx="minor">
+              <a:schemeClr val="dk1"/>
+            </a:fontRef>
+          </p:style>
+          <p:txBody>
+            <a:bodyPr rtlCol="0" anchor="ctr"/>
+            <a:lstStyle/>
+            <a:p>
+              <a:pPr algn="ctr"/>
+              <a:r>
+                <a:rPr lang="en-US" sz="2400" dirty="0" smtClean="0"/>
+                <a:t>Task X</a:t>
+              </a:r>
+              <a:endParaRPr lang="en-US" sz="2400" dirty="0"/>
+            </a:p>
+          </p:txBody>
+        </p:sp>
+      </p:grpSp>
+      <p:sp>
+        <p:nvSpPr>
+          <p:cNvPr id="11" name="Rectangle 10"/>
           <p:cNvSpPr/>
           <p:nvPr/>
         </p:nvSpPr>
         <p:spPr>
           <a:xfrm>
-            <a:off x="4723297" y="3586271"/>
+            <a:off x="106730" y="3736883"/>
             <a:ext cx="1306288" cy="381000"/>
           </a:xfrm>
           <a:prstGeom prst="rect">
@@ -3223,13 +3477,13 @@
       </p:sp>
       <p:sp>
         <p:nvSpPr>
-          <p:cNvPr id="7" name="Rectangle 6"/>
+          <p:cNvPr id="12" name="Rectangle 11"/>
           <p:cNvSpPr/>
           <p:nvPr/>
         </p:nvSpPr>
         <p:spPr>
           <a:xfrm>
-            <a:off x="6765732" y="3586271"/>
+            <a:off x="1618898" y="3736883"/>
             <a:ext cx="1219200" cy="381000"/>
           </a:xfrm>
           <a:prstGeom prst="rect">
@@ -3265,270 +3519,24 @@
       </p:sp>
       <p:sp>
         <p:nvSpPr>
-          <p:cNvPr id="8" name="Rectangle 7"/>
+          <p:cNvPr id="2" name="Rectangle 1"/>
           <p:cNvSpPr/>
           <p:nvPr/>
         </p:nvSpPr>
         <p:spPr>
           <a:xfrm>
-            <a:off x="6029583" y="3586271"/>
-            <a:ext cx="737508" cy="381000"/>
-          </a:xfrm>
-          <a:prstGeom prst="rect">
-            <a:avLst/>
-          </a:prstGeom>
-          <a:solidFill>
-            <a:schemeClr val="bg1"/>
-          </a:solidFill>
-        </p:spPr>
-        <p:style>
-          <a:lnRef idx="1">
-            <a:schemeClr val="accent3"/>
-          </a:lnRef>
-          <a:fillRef idx="2">
-            <a:schemeClr val="accent3"/>
-          </a:fillRef>
-          <a:effectRef idx="1">
-            <a:schemeClr val="accent3"/>
-          </a:effectRef>
-          <a:fontRef idx="minor">
-            <a:schemeClr val="dk1"/>
-          </a:fontRef>
-        </p:style>
-        <p:txBody>
-          <a:bodyPr rtlCol="0" anchor="ctr"/>
-          <a:lstStyle/>
-          <a:p>
-            <a:pPr algn="ctr"/>
-            <a:r>
-              <a:rPr lang="en-US" sz="1600" dirty="0" smtClean="0"/>
-              <a:t>Buffer</a:t>
-            </a:r>
-            <a:endParaRPr lang="en-US" sz="1600" dirty="0"/>
-          </a:p>
-        </p:txBody>
-      </p:sp>
-      <p:sp>
-        <p:nvSpPr>
-          <p:cNvPr id="9" name="Rectangle 8"/>
-          <p:cNvSpPr/>
-          <p:nvPr/>
-        </p:nvSpPr>
-        <p:spPr>
-          <a:xfrm>
-            <a:off x="7949325" y="3586271"/>
-            <a:ext cx="1060904" cy="381000"/>
-          </a:xfrm>
-          <a:prstGeom prst="rect">
-            <a:avLst/>
-          </a:prstGeom>
-          <a:solidFill>
-            <a:schemeClr val="bg1"/>
-          </a:solidFill>
-        </p:spPr>
-        <p:style>
-          <a:lnRef idx="1">
-            <a:schemeClr val="accent3"/>
-          </a:lnRef>
-          <a:fillRef idx="2">
-            <a:schemeClr val="accent3"/>
-          </a:fillRef>
-          <a:effectRef idx="1">
-            <a:schemeClr val="accent3"/>
-          </a:effectRef>
-          <a:fontRef idx="minor">
-            <a:schemeClr val="dk1"/>
-          </a:fontRef>
-        </p:style>
-        <p:txBody>
-          <a:bodyPr rtlCol="0" anchor="ctr"/>
-          <a:lstStyle/>
-          <a:p>
-            <a:pPr algn="ctr"/>
-            <a:r>
-              <a:rPr lang="en-US" sz="1800" dirty="0" smtClean="0"/>
-              <a:t>Buffer</a:t>
-            </a:r>
-            <a:endParaRPr lang="en-US" sz="2400" dirty="0"/>
-          </a:p>
-        </p:txBody>
-      </p:sp>
-      <p:sp>
-        <p:nvSpPr>
-          <p:cNvPr id="10" name="Content Placeholder 17"/>
-          <p:cNvSpPr txBox="1">
-            <a:spLocks/>
-          </p:cNvSpPr>
-          <p:nvPr/>
-        </p:nvSpPr>
-        <p:spPr>
-          <a:xfrm>
-            <a:off x="251520" y="2302258"/>
-            <a:ext cx="4464496" cy="1684269"/>
+            <a:off x="454401" y="3090552"/>
+            <a:ext cx="2157898" cy="646331"/>
           </a:xfrm>
           <a:prstGeom prst="rect">
             <a:avLst/>
           </a:prstGeom>
         </p:spPr>
         <p:txBody>
-          <a:bodyPr vert="horz" lIns="91440" tIns="45720" rIns="91440" bIns="45720" rtlCol="0">
-            <a:normAutofit fontScale="70000" lnSpcReduction="20000"/>
+          <a:bodyPr wrap="none">
+            <a:spAutoFit/>
           </a:bodyPr>
-          <a:lstStyle>
-            <a:lvl1pPr marL="0" indent="0" algn="ctr" defTabSz="914400" rtl="0" eaLnBrk="1" latinLnBrk="0" hangingPunct="1">
-              <a:spcBef>
-                <a:spcPct val="20000"/>
-              </a:spcBef>
-              <a:buFont typeface="Arial" panose="020B0604020202020204" pitchFamily="34" charset="0"/>
-              <a:buNone/>
-              <a:defRPr sz="3200" kern="1200">
-                <a:solidFill>
-                  <a:schemeClr val="tx1">
-                    <a:tint val="75000"/>
-                  </a:schemeClr>
-                </a:solidFill>
-                <a:latin typeface="+mn-lt"/>
-                <a:ea typeface="+mn-ea"/>
-                <a:cs typeface="+mn-cs"/>
-              </a:defRPr>
-            </a:lvl1pPr>
-            <a:lvl2pPr marL="457200" indent="0" algn="ctr" defTabSz="914400" rtl="0" eaLnBrk="1" latinLnBrk="0" hangingPunct="1">
-              <a:spcBef>
-                <a:spcPct val="20000"/>
-              </a:spcBef>
-              <a:buFont typeface="Arial" panose="020B0604020202020204" pitchFamily="34" charset="0"/>
-              <a:buNone/>
-              <a:defRPr sz="2800" kern="1200">
-                <a:solidFill>
-                  <a:schemeClr val="tx1">
-                    <a:tint val="75000"/>
-                  </a:schemeClr>
-                </a:solidFill>
-                <a:latin typeface="+mn-lt"/>
-                <a:ea typeface="+mn-ea"/>
-                <a:cs typeface="+mn-cs"/>
-              </a:defRPr>
-            </a:lvl2pPr>
-            <a:lvl3pPr marL="914400" indent="0" algn="ctr" defTabSz="914400" rtl="0" eaLnBrk="1" latinLnBrk="0" hangingPunct="1">
-              <a:spcBef>
-                <a:spcPct val="20000"/>
-              </a:spcBef>
-              <a:buFont typeface="Arial" panose="020B0604020202020204" pitchFamily="34" charset="0"/>
-              <a:buNone/>
-              <a:defRPr sz="2400" kern="1200">
-                <a:solidFill>
-                  <a:schemeClr val="tx1">
-                    <a:tint val="75000"/>
-                  </a:schemeClr>
-                </a:solidFill>
-                <a:latin typeface="+mn-lt"/>
-                <a:ea typeface="+mn-ea"/>
-                <a:cs typeface="+mn-cs"/>
-              </a:defRPr>
-            </a:lvl3pPr>
-            <a:lvl4pPr marL="1371600" indent="0" algn="ctr" defTabSz="914400" rtl="0" eaLnBrk="1" latinLnBrk="0" hangingPunct="1">
-              <a:spcBef>
-                <a:spcPct val="20000"/>
-              </a:spcBef>
-              <a:buFont typeface="Arial" panose="020B0604020202020204" pitchFamily="34" charset="0"/>
-              <a:buNone/>
-              <a:defRPr sz="2000" kern="1200">
-                <a:solidFill>
-                  <a:schemeClr val="tx1">
-                    <a:tint val="75000"/>
-                  </a:schemeClr>
-                </a:solidFill>
-                <a:latin typeface="+mn-lt"/>
-                <a:ea typeface="+mn-ea"/>
-                <a:cs typeface="+mn-cs"/>
-              </a:defRPr>
-            </a:lvl4pPr>
-            <a:lvl5pPr marL="1828800" indent="0" algn="ctr" defTabSz="914400" rtl="0" eaLnBrk="1" latinLnBrk="0" hangingPunct="1">
-              <a:spcBef>
-                <a:spcPct val="20000"/>
-              </a:spcBef>
-              <a:buFont typeface="Arial" panose="020B0604020202020204" pitchFamily="34" charset="0"/>
-              <a:buNone/>
-              <a:defRPr sz="2000" kern="1200">
-                <a:solidFill>
-                  <a:schemeClr val="tx1">
-                    <a:tint val="75000"/>
-                  </a:schemeClr>
-                </a:solidFill>
-                <a:latin typeface="+mn-lt"/>
-                <a:ea typeface="+mn-ea"/>
-                <a:cs typeface="+mn-cs"/>
-              </a:defRPr>
-            </a:lvl5pPr>
-            <a:lvl6pPr marL="2286000" indent="0" algn="ctr" defTabSz="914400" rtl="0" eaLnBrk="1" latinLnBrk="0" hangingPunct="1">
-              <a:spcBef>
-                <a:spcPct val="20000"/>
-              </a:spcBef>
-              <a:buFont typeface="Arial" panose="020B0604020202020204" pitchFamily="34" charset="0"/>
-              <a:buNone/>
-              <a:defRPr sz="2000" kern="1200">
-                <a:solidFill>
-                  <a:schemeClr val="tx1">
-                    <a:tint val="75000"/>
-                  </a:schemeClr>
-                </a:solidFill>
-                <a:latin typeface="+mn-lt"/>
-                <a:ea typeface="+mn-ea"/>
-                <a:cs typeface="+mn-cs"/>
-              </a:defRPr>
-            </a:lvl6pPr>
-            <a:lvl7pPr marL="2743200" indent="0" algn="ctr" defTabSz="914400" rtl="0" eaLnBrk="1" latinLnBrk="0" hangingPunct="1">
-              <a:spcBef>
-                <a:spcPct val="20000"/>
-              </a:spcBef>
-              <a:buFont typeface="Arial" panose="020B0604020202020204" pitchFamily="34" charset="0"/>
-              <a:buNone/>
-              <a:defRPr sz="2000" kern="1200">
-                <a:solidFill>
-                  <a:schemeClr val="tx1">
-                    <a:tint val="75000"/>
-                  </a:schemeClr>
-                </a:solidFill>
-                <a:latin typeface="+mn-lt"/>
-                <a:ea typeface="+mn-ea"/>
-                <a:cs typeface="+mn-cs"/>
-              </a:defRPr>
-            </a:lvl7pPr>
-            <a:lvl8pPr marL="3200400" indent="0" algn="ctr" defTabSz="914400" rtl="0" eaLnBrk="1" latinLnBrk="0" hangingPunct="1">
-              <a:spcBef>
-                <a:spcPct val="20000"/>
-              </a:spcBef>
-              <a:buFont typeface="Arial" panose="020B0604020202020204" pitchFamily="34" charset="0"/>
-              <a:buNone/>
-              <a:defRPr sz="2000" kern="1200">
-                <a:solidFill>
-                  <a:schemeClr val="tx1">
-                    <a:tint val="75000"/>
-                  </a:schemeClr>
-                </a:solidFill>
-                <a:latin typeface="+mn-lt"/>
-                <a:ea typeface="+mn-ea"/>
-                <a:cs typeface="+mn-cs"/>
-              </a:defRPr>
-            </a:lvl8pPr>
-            <a:lvl9pPr marL="3657600" indent="0" algn="ctr" defTabSz="914400" rtl="0" eaLnBrk="1" latinLnBrk="0" hangingPunct="1">
-              <a:spcBef>
-                <a:spcPct val="20000"/>
-              </a:spcBef>
-              <a:buFont typeface="Arial" panose="020B0604020202020204" pitchFamily="34" charset="0"/>
-              <a:buNone/>
-              <a:defRPr sz="2000" kern="1200">
-                <a:solidFill>
-                  <a:schemeClr val="tx1">
-                    <a:tint val="75000"/>
-                  </a:schemeClr>
-                </a:solidFill>
-                <a:latin typeface="+mn-lt"/>
-                <a:ea typeface="+mn-ea"/>
-                <a:cs typeface="+mn-cs"/>
-              </a:defRPr>
-            </a:lvl9pPr>
-          </a:lstStyle>
+          <a:lstStyle/>
           <a:p>
             <a:pPr algn="r">
               <a:lnSpc>
@@ -3536,10 +3544,33 @@
               </a:lnSpc>
             </a:pPr>
             <a:r>
-              <a:rPr lang="en-US" smtClean="0"/>
-              <a:t>Estimates</a:t>
-            </a:r>
-          </a:p>
+              <a:rPr lang="en-US" sz="2400" dirty="0" smtClean="0"/>
+              <a:t>Initial Estimates</a:t>
+            </a:r>
+            <a:endParaRPr lang="en-US" sz="2400" dirty="0"/>
+          </a:p>
+        </p:txBody>
+      </p:sp>
+      <p:sp>
+        <p:nvSpPr>
+          <p:cNvPr id="3" name="Rectangle 2"/>
+          <p:cNvSpPr/>
+          <p:nvPr/>
+        </p:nvSpPr>
+        <p:spPr>
+          <a:xfrm>
+            <a:off x="4565267" y="2452914"/>
+            <a:ext cx="4533549" cy="646331"/>
+          </a:xfrm>
+          <a:prstGeom prst="rect">
+            <a:avLst/>
+          </a:prstGeom>
+        </p:spPr>
+        <p:txBody>
+          <a:bodyPr wrap="none">
+            <a:spAutoFit/>
+          </a:bodyPr>
+          <a:lstStyle/>
           <a:p>
             <a:pPr algn="r">
               <a:lnSpc>
@@ -3547,10 +3578,36 @@
               </a:lnSpc>
             </a:pPr>
             <a:r>
-              <a:rPr lang="en-US" smtClean="0"/>
+              <a:rPr lang="en-US" sz="2400" dirty="0">
+                <a:solidFill>
+                  <a:srgbClr val="C00000"/>
+                </a:solidFill>
+              </a:rPr>
               <a:t>Schedule (using inflated estimates)</a:t>
             </a:r>
           </a:p>
+        </p:txBody>
+      </p:sp>
+      <p:sp>
+        <p:nvSpPr>
+          <p:cNvPr id="13" name="Rectangle 12"/>
+          <p:cNvSpPr/>
+          <p:nvPr/>
+        </p:nvSpPr>
+        <p:spPr>
+          <a:xfrm>
+            <a:off x="4960952" y="3556814"/>
+            <a:ext cx="4137864" cy="646331"/>
+          </a:xfrm>
+          <a:prstGeom prst="rect">
+            <a:avLst/>
+          </a:prstGeom>
+        </p:spPr>
+        <p:txBody>
+          <a:bodyPr wrap="none">
+            <a:spAutoFit/>
+          </a:bodyPr>
+          <a:lstStyle/>
           <a:p>
             <a:pPr algn="r">
               <a:lnSpc>
@@ -3558,94 +3615,861 @@
               </a:lnSpc>
             </a:pPr>
             <a:r>
-              <a:rPr lang="en-US" smtClean="0"/>
-              <a:t>Schedule (using buffers)</a:t>
-            </a:r>
-            <a:endParaRPr lang="en-SG" dirty="0"/>
-          </a:p>
-        </p:txBody>
-      </p:sp>
-      <p:sp>
-        <p:nvSpPr>
-          <p:cNvPr id="11" name="Rectangle 10"/>
-          <p:cNvSpPr/>
+              <a:rPr lang="en-US" sz="2400" dirty="0">
+                <a:solidFill>
+                  <a:srgbClr val="00B050"/>
+                </a:solidFill>
+              </a:rPr>
+              <a:t>Schedule (using </a:t>
+            </a:r>
+            <a:r>
+              <a:rPr lang="en-US" sz="2400" dirty="0" smtClean="0">
+                <a:solidFill>
+                  <a:srgbClr val="00B050"/>
+                </a:solidFill>
+              </a:rPr>
+              <a:t>explicit buffers)</a:t>
+            </a:r>
+            <a:endParaRPr lang="en-US" sz="2400" dirty="0">
+              <a:solidFill>
+                <a:srgbClr val="00B050"/>
+              </a:solidFill>
+            </a:endParaRPr>
+          </a:p>
+        </p:txBody>
+      </p:sp>
+      <p:cxnSp>
+        <p:nvCxnSpPr>
+          <p:cNvPr id="16" name="Straight Arrow Connector 15"/>
+          <p:cNvCxnSpPr/>
           <p:nvPr/>
-        </p:nvSpPr>
+        </p:nvCxnSpPr>
+        <p:spPr>
+          <a:xfrm flipV="1">
+            <a:off x="3203848" y="3212976"/>
+            <a:ext cx="1152128" cy="551122"/>
+          </a:xfrm>
+          <a:prstGeom prst="straightConnector1">
+            <a:avLst/>
+          </a:prstGeom>
+          <a:ln w="19050">
+            <a:solidFill>
+              <a:schemeClr val="tx1"/>
+            </a:solidFill>
+            <a:prstDash val="sysDash"/>
+            <a:tailEnd type="triangle"/>
+          </a:ln>
+        </p:spPr>
+        <p:style>
+          <a:lnRef idx="1">
+            <a:schemeClr val="accent1"/>
+          </a:lnRef>
+          <a:fillRef idx="0">
+            <a:schemeClr val="accent1"/>
+          </a:fillRef>
+          <a:effectRef idx="0">
+            <a:schemeClr val="accent1"/>
+          </a:effectRef>
+          <a:fontRef idx="minor">
+            <a:schemeClr val="tx1"/>
+          </a:fontRef>
+        </p:style>
+      </p:cxnSp>
+      <p:cxnSp>
+        <p:nvCxnSpPr>
+          <p:cNvPr id="17" name="Straight Arrow Connector 16"/>
+          <p:cNvCxnSpPr/>
+          <p:nvPr/>
+        </p:nvCxnSpPr>
         <p:spPr>
           <a:xfrm>
-            <a:off x="4716016" y="2506151"/>
-            <a:ext cx="1306288" cy="381000"/>
+            <a:off x="3231417" y="3764098"/>
+            <a:ext cx="1124559" cy="528998"/>
+          </a:xfrm>
+          <a:prstGeom prst="straightConnector1">
+            <a:avLst/>
+          </a:prstGeom>
+          <a:ln w="19050">
+            <a:solidFill>
+              <a:schemeClr val="tx1"/>
+            </a:solidFill>
+            <a:prstDash val="sysDash"/>
+            <a:tailEnd type="triangle"/>
+          </a:ln>
+        </p:spPr>
+        <p:style>
+          <a:lnRef idx="1">
+            <a:schemeClr val="accent1"/>
+          </a:lnRef>
+          <a:fillRef idx="0">
+            <a:schemeClr val="accent1"/>
+          </a:fillRef>
+          <a:effectRef idx="0">
+            <a:schemeClr val="accent1"/>
+          </a:effectRef>
+          <a:fontRef idx="minor">
+            <a:schemeClr val="tx1"/>
+          </a:fontRef>
+        </p:style>
+      </p:cxnSp>
+      <p:grpSp>
+        <p:nvGrpSpPr>
+          <p:cNvPr id="20" name="x"/>
+          <p:cNvGrpSpPr>
+            <a:grpSpLocks noChangeAspect="1"/>
+          </p:cNvGrpSpPr>
+          <p:nvPr/>
+        </p:nvGrpSpPr>
+        <p:grpSpPr>
+          <a:xfrm>
+            <a:off x="3530732" y="3132725"/>
+            <a:ext cx="306493" cy="306493"/>
+            <a:chOff x="5562600" y="1371600"/>
+            <a:chExt cx="738443" cy="738443"/>
+          </a:xfrm>
+        </p:grpSpPr>
+        <p:sp>
+          <p:nvSpPr>
+            <p:cNvPr id="21" name="Flowchart: Connector 20"/>
+            <p:cNvSpPr/>
+            <p:nvPr/>
+          </p:nvSpPr>
+          <p:spPr>
+            <a:xfrm>
+              <a:off x="5562600" y="1371600"/>
+              <a:ext cx="738443" cy="738443"/>
+            </a:xfrm>
+            <a:prstGeom prst="flowChartConnector">
+              <a:avLst/>
+            </a:prstGeom>
+            <a:solidFill>
+              <a:schemeClr val="bg1"/>
+            </a:solidFill>
+            <a:ln>
+              <a:noFill/>
+            </a:ln>
+          </p:spPr>
+          <p:style>
+            <a:lnRef idx="2">
+              <a:schemeClr val="accent1">
+                <a:shade val="50000"/>
+              </a:schemeClr>
+            </a:lnRef>
+            <a:fillRef idx="1">
+              <a:schemeClr val="accent1"/>
+            </a:fillRef>
+            <a:effectRef idx="0">
+              <a:schemeClr val="accent1"/>
+            </a:effectRef>
+            <a:fontRef idx="minor">
+              <a:schemeClr val="lt1"/>
+            </a:fontRef>
+          </p:style>
+          <p:txBody>
+            <a:bodyPr rtlCol="0" anchor="ctr"/>
+            <a:lstStyle/>
+            <a:p>
+              <a:pPr algn="ctr"/>
+              <a:endParaRPr lang="en-SG">
+                <a:solidFill>
+                  <a:schemeClr val="tx1"/>
+                </a:solidFill>
+              </a:endParaRPr>
+            </a:p>
+          </p:txBody>
+        </p:sp>
+        <p:sp>
+          <p:nvSpPr>
+            <p:cNvPr id="22" name="Donut 21"/>
+            <p:cNvSpPr/>
+            <p:nvPr/>
+          </p:nvSpPr>
+          <p:spPr>
+            <a:xfrm>
+              <a:off x="5562600" y="1371600"/>
+              <a:ext cx="738443" cy="738443"/>
+            </a:xfrm>
+            <a:prstGeom prst="donut">
+              <a:avLst>
+                <a:gd name="adj" fmla="val 13134"/>
+              </a:avLst>
+            </a:prstGeom>
+            <a:solidFill>
+              <a:srgbClr val="C00000"/>
+            </a:solidFill>
+            <a:ln>
+              <a:noFill/>
+            </a:ln>
+          </p:spPr>
+          <p:style>
+            <a:lnRef idx="2">
+              <a:schemeClr val="accent1">
+                <a:shade val="50000"/>
+              </a:schemeClr>
+            </a:lnRef>
+            <a:fillRef idx="1">
+              <a:schemeClr val="accent1"/>
+            </a:fillRef>
+            <a:effectRef idx="0">
+              <a:schemeClr val="accent1"/>
+            </a:effectRef>
+            <a:fontRef idx="minor">
+              <a:schemeClr val="lt1"/>
+            </a:fontRef>
+          </p:style>
+          <p:txBody>
+            <a:bodyPr rtlCol="0" anchor="ctr"/>
+            <a:lstStyle/>
+            <a:p>
+              <a:pPr algn="ctr"/>
+              <a:endParaRPr lang="en-SG">
+                <a:solidFill>
+                  <a:schemeClr val="tx1"/>
+                </a:solidFill>
+              </a:endParaRPr>
+            </a:p>
+          </p:txBody>
+        </p:sp>
+        <p:sp>
+          <p:nvSpPr>
+            <p:cNvPr id="23" name="Cross 22"/>
+            <p:cNvSpPr/>
+            <p:nvPr/>
+          </p:nvSpPr>
+          <p:spPr>
+            <a:xfrm rot="2492112">
+              <a:off x="5747417" y="1548369"/>
+              <a:ext cx="368808" cy="368808"/>
+            </a:xfrm>
+            <a:prstGeom prst="plus">
+              <a:avLst>
+                <a:gd name="adj" fmla="val 35417"/>
+              </a:avLst>
+            </a:prstGeom>
+            <a:solidFill>
+              <a:srgbClr val="C00000"/>
+            </a:solidFill>
+            <a:ln>
+              <a:noFill/>
+            </a:ln>
+          </p:spPr>
+          <p:style>
+            <a:lnRef idx="2">
+              <a:schemeClr val="accent1">
+                <a:shade val="50000"/>
+              </a:schemeClr>
+            </a:lnRef>
+            <a:fillRef idx="1">
+              <a:schemeClr val="accent1"/>
+            </a:fillRef>
+            <a:effectRef idx="0">
+              <a:schemeClr val="accent1"/>
+            </a:effectRef>
+            <a:fontRef idx="minor">
+              <a:schemeClr val="lt1"/>
+            </a:fontRef>
+          </p:style>
+          <p:txBody>
+            <a:bodyPr rtlCol="0" anchor="ctr"/>
+            <a:lstStyle/>
+            <a:p>
+              <a:pPr algn="ctr"/>
+              <a:endParaRPr lang="en-SG"/>
+            </a:p>
+          </p:txBody>
+        </p:sp>
+      </p:grpSp>
+      <p:grpSp>
+        <p:nvGrpSpPr>
+          <p:cNvPr id="24" name="tick"/>
+          <p:cNvGrpSpPr>
+            <a:grpSpLocks noChangeAspect="1"/>
+          </p:cNvGrpSpPr>
+          <p:nvPr/>
+        </p:nvGrpSpPr>
+        <p:grpSpPr>
+          <a:xfrm>
+            <a:off x="3609676" y="4139849"/>
+            <a:ext cx="306493" cy="306493"/>
+            <a:chOff x="6416224" y="914400"/>
+            <a:chExt cx="738443" cy="738443"/>
+          </a:xfrm>
+        </p:grpSpPr>
+        <p:grpSp>
+          <p:nvGrpSpPr>
+            <p:cNvPr id="25" name="Group 24"/>
+            <p:cNvGrpSpPr/>
+            <p:nvPr/>
+          </p:nvGrpSpPr>
+          <p:grpSpPr>
+            <a:xfrm>
+              <a:off x="6416224" y="914400"/>
+              <a:ext cx="738443" cy="738443"/>
+              <a:chOff x="5562600" y="1371600"/>
+              <a:chExt cx="738443" cy="738443"/>
+            </a:xfrm>
+          </p:grpSpPr>
+          <p:sp>
+            <p:nvSpPr>
+              <p:cNvPr id="27" name="Flowchart: Connector 26"/>
+              <p:cNvSpPr/>
+              <p:nvPr/>
+            </p:nvSpPr>
+            <p:spPr>
+              <a:xfrm>
+                <a:off x="5562600" y="1371600"/>
+                <a:ext cx="738443" cy="738443"/>
+              </a:xfrm>
+              <a:prstGeom prst="flowChartConnector">
+                <a:avLst/>
+              </a:prstGeom>
+              <a:solidFill>
+                <a:schemeClr val="bg1"/>
+              </a:solidFill>
+              <a:ln>
+                <a:noFill/>
+              </a:ln>
+            </p:spPr>
+            <p:style>
+              <a:lnRef idx="2">
+                <a:schemeClr val="accent1">
+                  <a:shade val="50000"/>
+                </a:schemeClr>
+              </a:lnRef>
+              <a:fillRef idx="1">
+                <a:schemeClr val="accent1"/>
+              </a:fillRef>
+              <a:effectRef idx="0">
+                <a:schemeClr val="accent1"/>
+              </a:effectRef>
+              <a:fontRef idx="minor">
+                <a:schemeClr val="lt1"/>
+              </a:fontRef>
+            </p:style>
+            <p:txBody>
+              <a:bodyPr rtlCol="0" anchor="ctr"/>
+              <a:lstStyle/>
+              <a:p>
+                <a:pPr algn="ctr"/>
+                <a:endParaRPr lang="en-SG">
+                  <a:solidFill>
+                    <a:schemeClr val="tx1"/>
+                  </a:solidFill>
+                </a:endParaRPr>
+              </a:p>
+            </p:txBody>
+          </p:sp>
+          <p:sp>
+            <p:nvSpPr>
+              <p:cNvPr id="28" name="Donut 27"/>
+              <p:cNvSpPr/>
+              <p:nvPr/>
+            </p:nvSpPr>
+            <p:spPr>
+              <a:xfrm>
+                <a:off x="5562600" y="1371600"/>
+                <a:ext cx="738443" cy="738443"/>
+              </a:xfrm>
+              <a:prstGeom prst="donut">
+                <a:avLst>
+                  <a:gd name="adj" fmla="val 13134"/>
+                </a:avLst>
+              </a:prstGeom>
+              <a:solidFill>
+                <a:srgbClr val="00B050"/>
+              </a:solidFill>
+              <a:ln>
+                <a:noFill/>
+              </a:ln>
+            </p:spPr>
+            <p:style>
+              <a:lnRef idx="2">
+                <a:schemeClr val="accent1">
+                  <a:shade val="50000"/>
+                </a:schemeClr>
+              </a:lnRef>
+              <a:fillRef idx="1">
+                <a:schemeClr val="accent1"/>
+              </a:fillRef>
+              <a:effectRef idx="0">
+                <a:schemeClr val="accent1"/>
+              </a:effectRef>
+              <a:fontRef idx="minor">
+                <a:schemeClr val="lt1"/>
+              </a:fontRef>
+            </p:style>
+            <p:txBody>
+              <a:bodyPr rtlCol="0" anchor="ctr"/>
+              <a:lstStyle/>
+              <a:p>
+                <a:pPr algn="ctr"/>
+                <a:endParaRPr lang="en-SG">
+                  <a:solidFill>
+                    <a:schemeClr val="tx1"/>
+                  </a:solidFill>
+                </a:endParaRPr>
+              </a:p>
+            </p:txBody>
+          </p:sp>
+        </p:grpSp>
+        <p:sp>
+          <p:nvSpPr>
+            <p:cNvPr id="26" name="Rounded Rectangle 77"/>
+            <p:cNvSpPr/>
+            <p:nvPr/>
+          </p:nvSpPr>
+          <p:spPr>
+            <a:xfrm rot="2587769">
+              <a:off x="6656137" y="1053893"/>
+              <a:ext cx="232543" cy="384698"/>
+            </a:xfrm>
+            <a:custGeom>
+              <a:avLst/>
+              <a:gdLst/>
+              <a:ahLst/>
+              <a:cxnLst/>
+              <a:rect l="l" t="t" r="r" b="b"/>
+              <a:pathLst>
+                <a:path w="374514" h="619560">
+                  <a:moveTo>
+                    <a:pt x="223457" y="7753"/>
+                  </a:moveTo>
+                  <a:cubicBezTo>
+                    <a:pt x="228247" y="2963"/>
+                    <a:pt x="234864" y="0"/>
+                    <a:pt x="242174" y="0"/>
+                  </a:cubicBezTo>
+                  <a:lnTo>
+                    <a:pt x="348046" y="0"/>
+                  </a:lnTo>
+                  <a:cubicBezTo>
+                    <a:pt x="362663" y="0"/>
+                    <a:pt x="374515" y="11851"/>
+                    <a:pt x="374514" y="26469"/>
+                  </a:cubicBezTo>
+                  <a:lnTo>
+                    <a:pt x="374514" y="591151"/>
+                  </a:lnTo>
+                  <a:cubicBezTo>
+                    <a:pt x="374514" y="605769"/>
+                    <a:pt x="362663" y="617620"/>
+                    <a:pt x="348046" y="617620"/>
+                  </a:cubicBezTo>
+                  <a:lnTo>
+                    <a:pt x="273165" y="617620"/>
+                  </a:lnTo>
+                  <a:cubicBezTo>
+                    <a:pt x="271846" y="619393"/>
+                    <a:pt x="270184" y="619560"/>
+                    <a:pt x="268482" y="619560"/>
+                  </a:cubicBezTo>
+                  <a:lnTo>
+                    <a:pt x="25401" y="619560"/>
+                  </a:lnTo>
+                  <a:cubicBezTo>
+                    <a:pt x="11372" y="619560"/>
+                    <a:pt x="0" y="608188"/>
+                    <a:pt x="0" y="594159"/>
+                  </a:cubicBezTo>
+                  <a:lnTo>
+                    <a:pt x="0" y="492561"/>
+                  </a:lnTo>
+                  <a:cubicBezTo>
+                    <a:pt x="0" y="478532"/>
+                    <a:pt x="11372" y="467160"/>
+                    <a:pt x="25401" y="467160"/>
+                  </a:cubicBezTo>
+                  <a:lnTo>
+                    <a:pt x="215705" y="467160"/>
+                  </a:lnTo>
+                  <a:lnTo>
+                    <a:pt x="215705" y="26469"/>
+                  </a:lnTo>
+                  <a:cubicBezTo>
+                    <a:pt x="215704" y="19160"/>
+                    <a:pt x="218667" y="12543"/>
+                    <a:pt x="223457" y="7753"/>
+                  </a:cubicBezTo>
+                  <a:close/>
+                </a:path>
+              </a:pathLst>
+            </a:custGeom>
+            <a:solidFill>
+              <a:srgbClr val="00B050"/>
+            </a:solidFill>
+            <a:ln>
+              <a:noFill/>
+            </a:ln>
+          </p:spPr>
+          <p:style>
+            <a:lnRef idx="2">
+              <a:schemeClr val="accent1">
+                <a:shade val="50000"/>
+              </a:schemeClr>
+            </a:lnRef>
+            <a:fillRef idx="1">
+              <a:schemeClr val="accent1"/>
+            </a:fillRef>
+            <a:effectRef idx="0">
+              <a:schemeClr val="accent1"/>
+            </a:effectRef>
+            <a:fontRef idx="minor">
+              <a:schemeClr val="lt1"/>
+            </a:fontRef>
+          </p:style>
+          <p:txBody>
+            <a:bodyPr rtlCol="0" anchor="ctr"/>
+            <a:lstStyle/>
+            <a:p>
+              <a:pPr algn="ctr"/>
+              <a:endParaRPr lang="en-SG"/>
+            </a:p>
+          </p:txBody>
+        </p:sp>
+      </p:grpSp>
+      <p:sp>
+        <p:nvSpPr>
+          <p:cNvPr id="29" name="TextBox 28"/>
+          <p:cNvSpPr txBox="1"/>
+          <p:nvPr/>
+        </p:nvSpPr>
+        <p:spPr>
+          <a:xfrm>
+            <a:off x="374338" y="4117883"/>
+            <a:ext cx="877239" cy="369332"/>
           </a:xfrm>
           <a:prstGeom prst="rect">
             <a:avLst/>
           </a:prstGeom>
+          <a:noFill/>
         </p:spPr>
-        <p:style>
-          <a:lnRef idx="1">
-            <a:schemeClr val="accent4"/>
-          </a:lnRef>
-          <a:fillRef idx="2">
-            <a:schemeClr val="accent4"/>
-          </a:fillRef>
-          <a:effectRef idx="1">
-            <a:schemeClr val="accent4"/>
-          </a:effectRef>
-          <a:fontRef idx="minor">
-            <a:schemeClr val="dk1"/>
-          </a:fontRef>
-        </p:style>
-        <p:txBody>
-          <a:bodyPr rtlCol="0" anchor="ctr"/>
-          <a:lstStyle/>
-          <a:p>
-            <a:pPr algn="ctr"/>
-            <a:r>
-              <a:rPr lang="en-US" sz="2400" dirty="0" smtClean="0"/>
-              <a:t>Task X</a:t>
-            </a:r>
-            <a:endParaRPr lang="en-US" sz="2400" dirty="0"/>
-          </a:p>
-        </p:txBody>
-      </p:sp>
-      <p:sp>
-        <p:nvSpPr>
-          <p:cNvPr id="12" name="Rectangle 11"/>
-          <p:cNvSpPr/>
+        <p:txBody>
+          <a:bodyPr wrap="square" rtlCol="0">
+            <a:spAutoFit/>
+          </a:bodyPr>
+          <a:lstStyle/>
+          <a:p>
+            <a:r>
+              <a:rPr lang="en-US" dirty="0" smtClean="0">
+                <a:solidFill>
+                  <a:schemeClr val="bg1">
+                    <a:lumMod val="65000"/>
+                  </a:schemeClr>
+                </a:solidFill>
+              </a:rPr>
+              <a:t>2 days</a:t>
+            </a:r>
+            <a:endParaRPr lang="en-US" dirty="0">
+              <a:solidFill>
+                <a:schemeClr val="bg1">
+                  <a:lumMod val="65000"/>
+                </a:schemeClr>
+              </a:solidFill>
+            </a:endParaRPr>
+          </a:p>
+        </p:txBody>
+      </p:sp>
+      <p:sp>
+        <p:nvSpPr>
+          <p:cNvPr id="30" name="TextBox 29"/>
+          <p:cNvSpPr txBox="1"/>
           <p:nvPr/>
         </p:nvSpPr>
         <p:spPr>
           <a:xfrm>
-            <a:off x="6228184" y="2506151"/>
-            <a:ext cx="1219200" cy="381000"/>
+            <a:off x="1848299" y="4139849"/>
+            <a:ext cx="877239" cy="369332"/>
           </a:xfrm>
           <a:prstGeom prst="rect">
             <a:avLst/>
           </a:prstGeom>
+          <a:noFill/>
         </p:spPr>
-        <p:style>
-          <a:lnRef idx="1">
-            <a:schemeClr val="accent6"/>
-          </a:lnRef>
-          <a:fillRef idx="2">
-            <a:schemeClr val="accent6"/>
-          </a:fillRef>
-          <a:effectRef idx="1">
-            <a:schemeClr val="accent6"/>
-          </a:effectRef>
-          <a:fontRef idx="minor">
-            <a:schemeClr val="dk1"/>
-          </a:fontRef>
-        </p:style>
-        <p:txBody>
-          <a:bodyPr rtlCol="0" anchor="ctr"/>
-          <a:lstStyle/>
-          <a:p>
-            <a:pPr algn="ctr"/>
-            <a:r>
-              <a:rPr lang="en-US" sz="2400" dirty="0" smtClean="0"/>
-              <a:t>Task Y</a:t>
-            </a:r>
-            <a:endParaRPr lang="en-US" sz="2400" dirty="0"/>
+        <p:txBody>
+          <a:bodyPr wrap="square" rtlCol="0">
+            <a:spAutoFit/>
+          </a:bodyPr>
+          <a:lstStyle/>
+          <a:p>
+            <a:r>
+              <a:rPr lang="en-US" dirty="0" smtClean="0">
+                <a:solidFill>
+                  <a:schemeClr val="bg1">
+                    <a:lumMod val="65000"/>
+                  </a:schemeClr>
+                </a:solidFill>
+              </a:rPr>
+              <a:t>2 days</a:t>
+            </a:r>
+            <a:endParaRPr lang="en-US" dirty="0">
+              <a:solidFill>
+                <a:schemeClr val="bg1">
+                  <a:lumMod val="65000"/>
+                </a:schemeClr>
+              </a:solidFill>
+            </a:endParaRPr>
+          </a:p>
+        </p:txBody>
+      </p:sp>
+      <p:sp>
+        <p:nvSpPr>
+          <p:cNvPr id="31" name="TextBox 30"/>
+          <p:cNvSpPr txBox="1"/>
+          <p:nvPr/>
+        </p:nvSpPr>
+        <p:spPr>
+          <a:xfrm>
+            <a:off x="5370504" y="3372148"/>
+            <a:ext cx="1089310" cy="369332"/>
+          </a:xfrm>
+          <a:prstGeom prst="rect">
+            <a:avLst/>
+          </a:prstGeom>
+          <a:noFill/>
+        </p:spPr>
+        <p:txBody>
+          <a:bodyPr wrap="square" rtlCol="0">
+            <a:spAutoFit/>
+          </a:bodyPr>
+          <a:lstStyle/>
+          <a:p>
+            <a:r>
+              <a:rPr lang="en-US" dirty="0" smtClean="0">
+                <a:solidFill>
+                  <a:schemeClr val="bg1">
+                    <a:lumMod val="65000"/>
+                  </a:schemeClr>
+                </a:solidFill>
+              </a:rPr>
+              <a:t>3 days</a:t>
+            </a:r>
+            <a:endParaRPr lang="en-US" dirty="0">
+              <a:solidFill>
+                <a:schemeClr val="bg1">
+                  <a:lumMod val="65000"/>
+                </a:schemeClr>
+              </a:solidFill>
+            </a:endParaRPr>
+          </a:p>
+        </p:txBody>
+      </p:sp>
+      <p:sp>
+        <p:nvSpPr>
+          <p:cNvPr id="32" name="TextBox 31"/>
+          <p:cNvSpPr txBox="1"/>
+          <p:nvPr/>
+        </p:nvSpPr>
+        <p:spPr>
+          <a:xfrm>
+            <a:off x="7466960" y="3372148"/>
+            <a:ext cx="1089310" cy="369332"/>
+          </a:xfrm>
+          <a:prstGeom prst="rect">
+            <a:avLst/>
+          </a:prstGeom>
+          <a:noFill/>
+        </p:spPr>
+        <p:txBody>
+          <a:bodyPr wrap="square" rtlCol="0">
+            <a:spAutoFit/>
+          </a:bodyPr>
+          <a:lstStyle/>
+          <a:p>
+            <a:r>
+              <a:rPr lang="en-US" dirty="0" smtClean="0">
+                <a:solidFill>
+                  <a:schemeClr val="bg1">
+                    <a:lumMod val="65000"/>
+                  </a:schemeClr>
+                </a:solidFill>
+              </a:rPr>
+              <a:t>4 days</a:t>
+            </a:r>
+            <a:endParaRPr lang="en-US" dirty="0">
+              <a:solidFill>
+                <a:schemeClr val="bg1">
+                  <a:lumMod val="65000"/>
+                </a:schemeClr>
+              </a:solidFill>
+            </a:endParaRPr>
+          </a:p>
+        </p:txBody>
+      </p:sp>
+      <p:sp>
+        <p:nvSpPr>
+          <p:cNvPr id="33" name="TextBox 32"/>
+          <p:cNvSpPr txBox="1"/>
+          <p:nvPr/>
+        </p:nvSpPr>
+        <p:spPr>
+          <a:xfrm>
+            <a:off x="5112678" y="4489693"/>
+            <a:ext cx="877239" cy="369332"/>
+          </a:xfrm>
+          <a:prstGeom prst="rect">
+            <a:avLst/>
+          </a:prstGeom>
+          <a:noFill/>
+        </p:spPr>
+        <p:txBody>
+          <a:bodyPr wrap="square" rtlCol="0">
+            <a:spAutoFit/>
+          </a:bodyPr>
+          <a:lstStyle/>
+          <a:p>
+            <a:r>
+              <a:rPr lang="en-US" dirty="0" smtClean="0">
+                <a:solidFill>
+                  <a:schemeClr val="bg1">
+                    <a:lumMod val="65000"/>
+                  </a:schemeClr>
+                </a:solidFill>
+              </a:rPr>
+              <a:t>2 days</a:t>
+            </a:r>
+            <a:endParaRPr lang="en-US" dirty="0">
+              <a:solidFill>
+                <a:schemeClr val="bg1">
+                  <a:lumMod val="65000"/>
+                </a:schemeClr>
+              </a:solidFill>
+            </a:endParaRPr>
+          </a:p>
+        </p:txBody>
+      </p:sp>
+      <p:sp>
+        <p:nvSpPr>
+          <p:cNvPr id="34" name="TextBox 33"/>
+          <p:cNvSpPr txBox="1"/>
+          <p:nvPr/>
+        </p:nvSpPr>
+        <p:spPr>
+          <a:xfrm>
+            <a:off x="6936969" y="4491345"/>
+            <a:ext cx="877239" cy="369332"/>
+          </a:xfrm>
+          <a:prstGeom prst="rect">
+            <a:avLst/>
+          </a:prstGeom>
+          <a:noFill/>
+        </p:spPr>
+        <p:txBody>
+          <a:bodyPr wrap="square" rtlCol="0">
+            <a:spAutoFit/>
+          </a:bodyPr>
+          <a:lstStyle/>
+          <a:p>
+            <a:r>
+              <a:rPr lang="en-US" dirty="0" smtClean="0">
+                <a:solidFill>
+                  <a:schemeClr val="bg1">
+                    <a:lumMod val="65000"/>
+                  </a:schemeClr>
+                </a:solidFill>
+              </a:rPr>
+              <a:t>2 days</a:t>
+            </a:r>
+            <a:endParaRPr lang="en-US" dirty="0">
+              <a:solidFill>
+                <a:schemeClr val="bg1">
+                  <a:lumMod val="65000"/>
+                </a:schemeClr>
+              </a:solidFill>
+            </a:endParaRPr>
+          </a:p>
+        </p:txBody>
+      </p:sp>
+      <p:sp>
+        <p:nvSpPr>
+          <p:cNvPr id="35" name="TextBox 34"/>
+          <p:cNvSpPr txBox="1"/>
+          <p:nvPr/>
+        </p:nvSpPr>
+        <p:spPr>
+          <a:xfrm>
+            <a:off x="6021247" y="4524776"/>
+            <a:ext cx="877239" cy="369332"/>
+          </a:xfrm>
+          <a:prstGeom prst="rect">
+            <a:avLst/>
+          </a:prstGeom>
+          <a:noFill/>
+        </p:spPr>
+        <p:txBody>
+          <a:bodyPr wrap="square" rtlCol="0">
+            <a:spAutoFit/>
+          </a:bodyPr>
+          <a:lstStyle/>
+          <a:p>
+            <a:r>
+              <a:rPr lang="en-US" dirty="0">
+                <a:solidFill>
+                  <a:schemeClr val="bg1">
+                    <a:lumMod val="65000"/>
+                  </a:schemeClr>
+                </a:solidFill>
+              </a:rPr>
+              <a:t>1</a:t>
+            </a:r>
+            <a:r>
+              <a:rPr lang="en-US" dirty="0" smtClean="0">
+                <a:solidFill>
+                  <a:schemeClr val="bg1">
+                    <a:lumMod val="65000"/>
+                  </a:schemeClr>
+                </a:solidFill>
+              </a:rPr>
+              <a:t> day</a:t>
+            </a:r>
+            <a:endParaRPr lang="en-US" dirty="0">
+              <a:solidFill>
+                <a:schemeClr val="bg1">
+                  <a:lumMod val="65000"/>
+                </a:schemeClr>
+              </a:solidFill>
+            </a:endParaRPr>
+          </a:p>
+        </p:txBody>
+      </p:sp>
+      <p:sp>
+        <p:nvSpPr>
+          <p:cNvPr id="36" name="TextBox 35"/>
+          <p:cNvSpPr txBox="1"/>
+          <p:nvPr/>
+        </p:nvSpPr>
+        <p:spPr>
+          <a:xfrm>
+            <a:off x="8017892" y="4524776"/>
+            <a:ext cx="877239" cy="369332"/>
+          </a:xfrm>
+          <a:prstGeom prst="rect">
+            <a:avLst/>
+          </a:prstGeom>
+          <a:noFill/>
+        </p:spPr>
+        <p:txBody>
+          <a:bodyPr wrap="square" rtlCol="0">
+            <a:spAutoFit/>
+          </a:bodyPr>
+          <a:lstStyle/>
+          <a:p>
+            <a:r>
+              <a:rPr lang="en-US" dirty="0" smtClean="0">
+                <a:solidFill>
+                  <a:schemeClr val="bg1">
+                    <a:lumMod val="65000"/>
+                  </a:schemeClr>
+                </a:solidFill>
+              </a:rPr>
+              <a:t>2 days</a:t>
+            </a:r>
+            <a:endParaRPr lang="en-US" dirty="0">
+              <a:solidFill>
+                <a:schemeClr val="bg1">
+                  <a:lumMod val="65000"/>
+                </a:schemeClr>
+              </a:solidFill>
+            </a:endParaRPr>
           </a:p>
         </p:txBody>
       </p:sp>
@@ -3750,7 +4574,7 @@
                                           </p:stCondLst>
                                         </p:cTn>
                                         <p:tgtEl>
-                                          <p:spTgt spid="6"/>
+                                          <p:spTgt spid="11"/>
                                         </p:tgtEl>
                                         <p:attrNameLst>
                                           <p:attrName>style.visibility</p:attrName>
@@ -3772,114 +4596,6 @@
                                     <p:set>
                                       <p:cBhvr>
                                         <p:cTn id="12" dur="1" fill="hold">
-                                          <p:stCondLst>
-                                            <p:cond delay="0"/>
-                                          </p:stCondLst>
-                                        </p:cTn>
-                                        <p:tgtEl>
-                                          <p:spTgt spid="7"/>
-                                        </p:tgtEl>
-                                        <p:attrNameLst>
-                                          <p:attrName>style.visibility</p:attrName>
-                                        </p:attrNameLst>
-                                      </p:cBhvr>
-                                      <p:to>
-                                        <p:strVal val="hidden"/>
-                                      </p:to>
-                                    </p:set>
-                                  </p:childTnLst>
-                                </p:cTn>
-                              </p:par>
-                              <p:par>
-                                <p:cTn id="13" presetID="1" presetClass="exit" presetSubtype="0" fill="hold" grpId="0" nodeType="withEffect">
-                                  <p:stCondLst>
-                                    <p:cond delay="0"/>
-                                  </p:stCondLst>
-                                  <p:childTnLst>
-                                    <p:set>
-                                      <p:cBhvr>
-                                        <p:cTn id="14" dur="1" fill="hold">
-                                          <p:stCondLst>
-                                            <p:cond delay="0"/>
-                                          </p:stCondLst>
-                                        </p:cTn>
-                                        <p:tgtEl>
-                                          <p:spTgt spid="8"/>
-                                        </p:tgtEl>
-                                        <p:attrNameLst>
-                                          <p:attrName>style.visibility</p:attrName>
-                                        </p:attrNameLst>
-                                      </p:cBhvr>
-                                      <p:to>
-                                        <p:strVal val="hidden"/>
-                                      </p:to>
-                                    </p:set>
-                                  </p:childTnLst>
-                                </p:cTn>
-                              </p:par>
-                              <p:par>
-                                <p:cTn id="15" presetID="1" presetClass="exit" presetSubtype="0" fill="hold" grpId="0" nodeType="withEffect">
-                                  <p:stCondLst>
-                                    <p:cond delay="0"/>
-                                  </p:stCondLst>
-                                  <p:childTnLst>
-                                    <p:set>
-                                      <p:cBhvr>
-                                        <p:cTn id="16" dur="1" fill="hold">
-                                          <p:stCondLst>
-                                            <p:cond delay="0"/>
-                                          </p:stCondLst>
-                                        </p:cTn>
-                                        <p:tgtEl>
-                                          <p:spTgt spid="9"/>
-                                        </p:tgtEl>
-                                        <p:attrNameLst>
-                                          <p:attrName>style.visibility</p:attrName>
-                                        </p:attrNameLst>
-                                      </p:cBhvr>
-                                      <p:to>
-                                        <p:strVal val="hidden"/>
-                                      </p:to>
-                                    </p:set>
-                                  </p:childTnLst>
-                                </p:cTn>
-                              </p:par>
-                              <p:par>
-                                <p:cTn id="17" presetID="1" presetClass="exit" presetSubtype="0" fill="hold" grpId="0" nodeType="withEffect">
-                                  <p:stCondLst>
-                                    <p:cond delay="0"/>
-                                  </p:stCondLst>
-                                  <p:childTnLst>
-                                    <p:set>
-                                      <p:cBhvr>
-                                        <p:cTn id="18" dur="1" fill="hold">
-                                          <p:stCondLst>
-                                            <p:cond delay="0"/>
-                                          </p:stCondLst>
-                                        </p:cTn>
-                                        <p:tgtEl>
-                                          <p:spTgt spid="11"/>
-                                        </p:tgtEl>
-                                        <p:attrNameLst>
-                                          <p:attrName>style.visibility</p:attrName>
-                                        </p:attrNameLst>
-                                      </p:cBhvr>
-                                      <p:to>
-                                        <p:strVal val="hidden"/>
-                                      </p:to>
-                                    </p:set>
-                                  </p:childTnLst>
-                                </p:cTn>
-                              </p:par>
-                              <p:par>
-                                <p:cTn id="19" presetID="1" presetClass="exit" presetSubtype="0" fill="hold" grpId="0" nodeType="withEffect">
-                                  <p:stCondLst>
-                                    <p:cond delay="0"/>
-                                  </p:stCondLst>
-                                  <p:childTnLst>
-                                    <p:set>
-                                      <p:cBhvr>
-                                        <p:cTn id="20" dur="1" fill="hold">
                                           <p:stCondLst>
                                             <p:cond delay="0"/>
                                           </p:stCondLst>
@@ -3928,10 +4644,6 @@
     <p:bldLst>
       <p:bldP spid="4" grpId="0" animBg="1"/>
       <p:bldP spid="5" grpId="0" animBg="1"/>
-      <p:bldP spid="6" grpId="0" animBg="1"/>
-      <p:bldP spid="7" grpId="0" animBg="1"/>
-      <p:bldP spid="8" grpId="0" animBg="1"/>
-      <p:bldP spid="9" grpId="0" animBg="1"/>
       <p:bldP spid="11" grpId="0" animBg="1"/>
       <p:bldP spid="12" grpId="0" animBg="1"/>
     </p:bldLst>
